--- a/2 - First 20 Elements/L02 Classification of Matter/Bag of Air Activity.pptx
+++ b/2 - First 20 Elements/L02 Classification of Matter/Bag of Air Activity.pptx
@@ -310,7 +310,7 @@
             <a:fld id="{1D8BD707-D9CF-40AE-B4C6-C98DA3205C09}" type="datetimeFigureOut">
               <a:rPr lang="en-US" smtClean="0"/>
               <a:pPr/>
-              <a:t>10/6/2015</a:t>
+              <a:t>3/6/2020</a:t>
             </a:fld>
             <a:endParaRPr lang="en-US"/>
           </a:p>
@@ -477,7 +477,7 @@
             <a:fld id="{1D8BD707-D9CF-40AE-B4C6-C98DA3205C09}" type="datetimeFigureOut">
               <a:rPr lang="en-US" smtClean="0"/>
               <a:pPr/>
-              <a:t>10/6/2015</a:t>
+              <a:t>3/6/2020</a:t>
             </a:fld>
             <a:endParaRPr lang="en-US"/>
           </a:p>
@@ -654,7 +654,7 @@
             <a:fld id="{1D8BD707-D9CF-40AE-B4C6-C98DA3205C09}" type="datetimeFigureOut">
               <a:rPr lang="en-US" smtClean="0"/>
               <a:pPr/>
-              <a:t>10/6/2015</a:t>
+              <a:t>3/6/2020</a:t>
             </a:fld>
             <a:endParaRPr lang="en-US"/>
           </a:p>
@@ -821,7 +821,7 @@
             <a:fld id="{1D8BD707-D9CF-40AE-B4C6-C98DA3205C09}" type="datetimeFigureOut">
               <a:rPr lang="en-US" smtClean="0"/>
               <a:pPr/>
-              <a:t>10/6/2015</a:t>
+              <a:t>3/6/2020</a:t>
             </a:fld>
             <a:endParaRPr lang="en-US"/>
           </a:p>
@@ -1064,7 +1064,7 @@
             <a:fld id="{1D8BD707-D9CF-40AE-B4C6-C98DA3205C09}" type="datetimeFigureOut">
               <a:rPr lang="en-US" smtClean="0"/>
               <a:pPr/>
-              <a:t>10/6/2015</a:t>
+              <a:t>3/6/2020</a:t>
             </a:fld>
             <a:endParaRPr lang="en-US"/>
           </a:p>
@@ -1349,7 +1349,7 @@
             <a:fld id="{1D8BD707-D9CF-40AE-B4C6-C98DA3205C09}" type="datetimeFigureOut">
               <a:rPr lang="en-US" smtClean="0"/>
               <a:pPr/>
-              <a:t>10/6/2015</a:t>
+              <a:t>3/6/2020</a:t>
             </a:fld>
             <a:endParaRPr lang="en-US"/>
           </a:p>
@@ -1768,7 +1768,7 @@
             <a:fld id="{1D8BD707-D9CF-40AE-B4C6-C98DA3205C09}" type="datetimeFigureOut">
               <a:rPr lang="en-US" smtClean="0"/>
               <a:pPr/>
-              <a:t>10/6/2015</a:t>
+              <a:t>3/6/2020</a:t>
             </a:fld>
             <a:endParaRPr lang="en-US"/>
           </a:p>
@@ -1883,7 +1883,7 @@
             <a:fld id="{1D8BD707-D9CF-40AE-B4C6-C98DA3205C09}" type="datetimeFigureOut">
               <a:rPr lang="en-US" smtClean="0"/>
               <a:pPr/>
-              <a:t>10/6/2015</a:t>
+              <a:t>3/6/2020</a:t>
             </a:fld>
             <a:endParaRPr lang="en-US"/>
           </a:p>
@@ -1975,7 +1975,7 @@
             <a:fld id="{1D8BD707-D9CF-40AE-B4C6-C98DA3205C09}" type="datetimeFigureOut">
               <a:rPr lang="en-US" smtClean="0"/>
               <a:pPr/>
-              <a:t>10/6/2015</a:t>
+              <a:t>3/6/2020</a:t>
             </a:fld>
             <a:endParaRPr lang="en-US"/>
           </a:p>
@@ -2249,7 +2249,7 @@
             <a:fld id="{1D8BD707-D9CF-40AE-B4C6-C98DA3205C09}" type="datetimeFigureOut">
               <a:rPr lang="en-US" smtClean="0"/>
               <a:pPr/>
-              <a:t>10/6/2015</a:t>
+              <a:t>3/6/2020</a:t>
             </a:fld>
             <a:endParaRPr lang="en-US"/>
           </a:p>
@@ -2499,7 +2499,7 @@
             <a:fld id="{1D8BD707-D9CF-40AE-B4C6-C98DA3205C09}" type="datetimeFigureOut">
               <a:rPr lang="en-US" smtClean="0"/>
               <a:pPr/>
-              <a:t>10/6/2015</a:t>
+              <a:t>3/6/2020</a:t>
             </a:fld>
             <a:endParaRPr lang="en-US"/>
           </a:p>
@@ -2709,7 +2709,7 @@
             <a:fld id="{1D8BD707-D9CF-40AE-B4C6-C98DA3205C09}" type="datetimeFigureOut">
               <a:rPr lang="en-US" smtClean="0"/>
               <a:pPr/>
-              <a:t>10/6/2015</a:t>
+              <a:t>3/6/2020</a:t>
             </a:fld>
             <a:endParaRPr lang="en-US"/>
           </a:p>
@@ -3274,7 +3274,23 @@
             <a:pPr marL="914400" lvl="1" indent="-514350"/>
             <a:r>
               <a:rPr lang="en-US" dirty="0" smtClean="0"/>
-              <a:t>CO	(one black and one red)</a:t>
+              <a:t>CO</a:t>
+            </a:r>
+            <a:r>
+              <a:rPr lang="en-US" baseline="-25000" dirty="0" smtClean="0"/>
+              <a:t>2</a:t>
+            </a:r>
+            <a:r>
+              <a:rPr lang="en-US" dirty="0" smtClean="0"/>
+              <a:t>	(one black and </a:t>
+            </a:r>
+            <a:r>
+              <a:rPr lang="en-US" dirty="0" smtClean="0"/>
+              <a:t>two </a:t>
+            </a:r>
+            <a:r>
+              <a:rPr lang="en-US" dirty="0" smtClean="0"/>
+              <a:t>red)</a:t>
             </a:r>
           </a:p>
           <a:p>
@@ -3560,7 +3576,11 @@
             <a:pPr marL="914400" lvl="1" indent="-514350"/>
             <a:r>
               <a:rPr lang="en-US" dirty="0" smtClean="0"/>
-              <a:t>O – C </a:t>
+              <a:t>O – </a:t>
+            </a:r>
+            <a:r>
+              <a:rPr lang="en-US" dirty="0"/>
+              <a:t>C – O </a:t>
             </a:r>
             <a:r>
               <a:rPr lang="en-US" dirty="0" smtClean="0"/>
@@ -3568,15 +3588,15 @@
             </a:r>
             <a:r>
               <a:rPr lang="en-US" dirty="0" smtClean="0"/>
-              <a:t>	</a:t>
-            </a:r>
-            <a:r>
-              <a:rPr lang="en-US" smtClean="0"/>
-              <a:t>(</a:t>
-            </a:r>
-            <a:r>
-              <a:rPr lang="en-US" smtClean="0"/>
-              <a:t>CO)</a:t>
+              <a:t>(CO</a:t>
+            </a:r>
+            <a:r>
+              <a:rPr lang="en-US" baseline="-25000" dirty="0" smtClean="0"/>
+              <a:t>2</a:t>
+            </a:r>
+            <a:r>
+              <a:rPr lang="en-US" dirty="0" smtClean="0"/>
+              <a:t>)</a:t>
             </a:r>
             <a:endParaRPr lang="en-US" dirty="0" smtClean="0"/>
           </a:p>
